--- a/Final_Project_Presentation.pptx
+++ b/Final_Project_Presentation.pptx
@@ -127,6 +127,161 @@
     </p:ext>
   </p:extLst>
 </p:presentation>
+</file>
+
+<file path=ppt/revisionInfo.xml><?xml version="1.0" encoding="utf-8"?>
+<p1510:revInfo xmlns:a="http://schemas.openxmlformats.org/drawingml/2006/main" xmlns:r="http://schemas.openxmlformats.org/officeDocument/2006/relationships" xmlns:p1510="http://schemas.microsoft.com/office/powerpoint/2015/10/main">
+  <p1510:revLst>
+    <p1510:client id="{94B916B1-32EB-4669-8796-455037E14BE9}" v="7" dt="2025-03-13T01:01:05.077"/>
+  </p1510:revLst>
+</p1510:revInfo>
+</file>
+
+<file path=ppt/changesInfos/changesInfo1.xml><?xml version="1.0" encoding="utf-8"?>
+<pc:chgInfo xmlns:a="http://schemas.openxmlformats.org/drawingml/2006/main" xmlns:r="http://schemas.openxmlformats.org/officeDocument/2006/relationships" xmlns:ac="http://schemas.microsoft.com/office/drawing/2013/main/command" xmlns:pc="http://schemas.microsoft.com/office/powerpoint/2013/main/command">
+  <pc:docChgLst>
+    <pc:chgData name="Tamya Louis" userId="4182deca5abb51ca" providerId="LiveId" clId="{94B916B1-32EB-4669-8796-455037E14BE9}"/>
+    <pc:docChg chg="undo custSel modSld">
+      <pc:chgData name="Tamya Louis" userId="4182deca5abb51ca" providerId="LiveId" clId="{94B916B1-32EB-4669-8796-455037E14BE9}" dt="2025-03-13T21:57:32.671" v="83" actId="1076"/>
+      <pc:docMkLst>
+        <pc:docMk/>
+      </pc:docMkLst>
+      <pc:sldChg chg="modSp">
+        <pc:chgData name="Tamya Louis" userId="4182deca5abb51ca" providerId="LiveId" clId="{94B916B1-32EB-4669-8796-455037E14BE9}" dt="2025-03-13T00:39:28.499" v="5" actId="20577"/>
+        <pc:sldMkLst>
+          <pc:docMk/>
+          <pc:sldMk cId="0" sldId="258"/>
+        </pc:sldMkLst>
+        <pc:graphicFrameChg chg="mod">
+          <ac:chgData name="Tamya Louis" userId="4182deca5abb51ca" providerId="LiveId" clId="{94B916B1-32EB-4669-8796-455037E14BE9}" dt="2025-03-13T00:39:28.499" v="5" actId="20577"/>
+          <ac:graphicFrameMkLst>
+            <pc:docMk/>
+            <pc:sldMk cId="0" sldId="258"/>
+            <ac:graphicFrameMk id="5" creationId="{AAE654CB-71A7-2C14-175F-4D791702DD99}"/>
+          </ac:graphicFrameMkLst>
+        </pc:graphicFrameChg>
+      </pc:sldChg>
+      <pc:sldChg chg="modSp mod">
+        <pc:chgData name="Tamya Louis" userId="4182deca5abb51ca" providerId="LiveId" clId="{94B916B1-32EB-4669-8796-455037E14BE9}" dt="2025-03-13T00:40:53.375" v="11" actId="20577"/>
+        <pc:sldMkLst>
+          <pc:docMk/>
+          <pc:sldMk cId="0" sldId="259"/>
+        </pc:sldMkLst>
+        <pc:spChg chg="mod">
+          <ac:chgData name="Tamya Louis" userId="4182deca5abb51ca" providerId="LiveId" clId="{94B916B1-32EB-4669-8796-455037E14BE9}" dt="2025-03-13T00:40:53.375" v="11" actId="20577"/>
+          <ac:spMkLst>
+            <pc:docMk/>
+            <pc:sldMk cId="0" sldId="259"/>
+            <ac:spMk id="3" creationId="{00000000-0000-0000-0000-000000000000}"/>
+          </ac:spMkLst>
+        </pc:spChg>
+      </pc:sldChg>
+      <pc:sldChg chg="addSp delSp modSp mod setBg setClrOvrMap">
+        <pc:chgData name="Tamya Louis" userId="4182deca5abb51ca" providerId="LiveId" clId="{94B916B1-32EB-4669-8796-455037E14BE9}" dt="2025-03-13T21:57:32.671" v="83" actId="1076"/>
+        <pc:sldMkLst>
+          <pc:docMk/>
+          <pc:sldMk cId="0" sldId="261"/>
+        </pc:sldMkLst>
+        <pc:spChg chg="mod">
+          <ac:chgData name="Tamya Louis" userId="4182deca5abb51ca" providerId="LiveId" clId="{94B916B1-32EB-4669-8796-455037E14BE9}" dt="2025-03-13T21:57:03.598" v="76" actId="1076"/>
+          <ac:spMkLst>
+            <pc:docMk/>
+            <pc:sldMk cId="0" sldId="261"/>
+            <ac:spMk id="2" creationId="{00000000-0000-0000-0000-000000000000}"/>
+          </ac:spMkLst>
+        </pc:spChg>
+        <pc:spChg chg="add del">
+          <ac:chgData name="Tamya Louis" userId="4182deca5abb51ca" providerId="LiveId" clId="{94B916B1-32EB-4669-8796-455037E14BE9}" dt="2025-03-13T01:02:54.490" v="66" actId="26606"/>
+          <ac:spMkLst>
+            <pc:docMk/>
+            <pc:sldMk cId="0" sldId="261"/>
+            <ac:spMk id="50" creationId="{4F71A406-3CB7-4E4D-B434-24E6AA4F3997}"/>
+          </ac:spMkLst>
+        </pc:spChg>
+        <pc:spChg chg="add del">
+          <ac:chgData name="Tamya Louis" userId="4182deca5abb51ca" providerId="LiveId" clId="{94B916B1-32EB-4669-8796-455037E14BE9}" dt="2025-03-13T21:56:58.769" v="74" actId="26606"/>
+          <ac:spMkLst>
+            <pc:docMk/>
+            <pc:sldMk cId="0" sldId="261"/>
+            <ac:spMk id="75" creationId="{4F71A406-3CB7-4E4D-B434-24E6AA4F3997}"/>
+          </ac:spMkLst>
+        </pc:spChg>
+        <pc:grpChg chg="add del">
+          <ac:chgData name="Tamya Louis" userId="4182deca5abb51ca" providerId="LiveId" clId="{94B916B1-32EB-4669-8796-455037E14BE9}" dt="2025-03-13T21:56:58.787" v="75" actId="26606"/>
+          <ac:grpSpMkLst>
+            <pc:docMk/>
+            <pc:sldMk cId="0" sldId="261"/>
+            <ac:grpSpMk id="23" creationId="{90A61547-2555-4DE2-A37F-A53E54917441}"/>
+          </ac:grpSpMkLst>
+        </pc:grpChg>
+        <pc:grpChg chg="add del">
+          <ac:chgData name="Tamya Louis" userId="4182deca5abb51ca" providerId="LiveId" clId="{94B916B1-32EB-4669-8796-455037E14BE9}" dt="2025-03-13T01:02:54.490" v="66" actId="26606"/>
+          <ac:grpSpMkLst>
+            <pc:docMk/>
+            <pc:sldMk cId="0" sldId="261"/>
+            <ac:grpSpMk id="38" creationId="{5EA39187-0197-4C1D-BE4A-06B353C7B215}"/>
+          </ac:grpSpMkLst>
+        </pc:grpChg>
+        <pc:grpChg chg="add del">
+          <ac:chgData name="Tamya Louis" userId="4182deca5abb51ca" providerId="LiveId" clId="{94B916B1-32EB-4669-8796-455037E14BE9}" dt="2025-03-13T21:56:10.450" v="68" actId="26606"/>
+          <ac:grpSpMkLst>
+            <pc:docMk/>
+            <pc:sldMk cId="0" sldId="261"/>
+            <ac:grpSpMk id="52" creationId="{90A61547-2555-4DE2-A37F-A53E54917441}"/>
+          </ac:grpSpMkLst>
+        </pc:grpChg>
+        <pc:grpChg chg="add del">
+          <ac:chgData name="Tamya Louis" userId="4182deca5abb51ca" providerId="LiveId" clId="{94B916B1-32EB-4669-8796-455037E14BE9}" dt="2025-03-13T21:56:25.479" v="70" actId="26606"/>
+          <ac:grpSpMkLst>
+            <pc:docMk/>
+            <pc:sldMk cId="0" sldId="261"/>
+            <ac:grpSpMk id="62" creationId="{90A61547-2555-4DE2-A37F-A53E54917441}"/>
+          </ac:grpSpMkLst>
+        </pc:grpChg>
+        <pc:grpChg chg="add del">
+          <ac:chgData name="Tamya Louis" userId="4182deca5abb51ca" providerId="LiveId" clId="{94B916B1-32EB-4669-8796-455037E14BE9}" dt="2025-03-13T21:56:26.525" v="72" actId="26606"/>
+          <ac:grpSpMkLst>
+            <pc:docMk/>
+            <pc:sldMk cId="0" sldId="261"/>
+            <ac:grpSpMk id="64" creationId="{90A61547-2555-4DE2-A37F-A53E54917441}"/>
+          </ac:grpSpMkLst>
+        </pc:grpChg>
+        <pc:grpChg chg="add del">
+          <ac:chgData name="Tamya Louis" userId="4182deca5abb51ca" providerId="LiveId" clId="{94B916B1-32EB-4669-8796-455037E14BE9}" dt="2025-03-13T21:56:58.769" v="74" actId="26606"/>
+          <ac:grpSpMkLst>
+            <pc:docMk/>
+            <pc:sldMk cId="0" sldId="261"/>
+            <ac:grpSpMk id="74" creationId="{5EA39187-0197-4C1D-BE4A-06B353C7B215}"/>
+          </ac:grpSpMkLst>
+        </pc:grpChg>
+        <pc:grpChg chg="add">
+          <ac:chgData name="Tamya Louis" userId="4182deca5abb51ca" providerId="LiveId" clId="{94B916B1-32EB-4669-8796-455037E14BE9}" dt="2025-03-13T21:56:58.787" v="75" actId="26606"/>
+          <ac:grpSpMkLst>
+            <pc:docMk/>
+            <pc:sldMk cId="0" sldId="261"/>
+            <ac:grpSpMk id="77" creationId="{90A61547-2555-4DE2-A37F-A53E54917441}"/>
+          </ac:grpSpMkLst>
+        </pc:grpChg>
+        <pc:picChg chg="add mod">
+          <ac:chgData name="Tamya Louis" userId="4182deca5abb51ca" providerId="LiveId" clId="{94B916B1-32EB-4669-8796-455037E14BE9}" dt="2025-03-13T21:57:32.671" v="83" actId="1076"/>
+          <ac:picMkLst>
+            <pc:docMk/>
+            <pc:sldMk cId="0" sldId="261"/>
+            <ac:picMk id="4" creationId="{28A34C89-E27D-21D6-330C-E015374142ED}"/>
+          </ac:picMkLst>
+        </pc:picChg>
+        <pc:picChg chg="mod ord">
+          <ac:chgData name="Tamya Louis" userId="4182deca5abb51ca" providerId="LiveId" clId="{94B916B1-32EB-4669-8796-455037E14BE9}" dt="2025-03-13T21:57:28.804" v="82" actId="1076"/>
+          <ac:picMkLst>
+            <pc:docMk/>
+            <pc:sldMk cId="0" sldId="261"/>
+            <ac:picMk id="6" creationId="{AF0915D8-B1E5-C9A7-430D-300E9A7809BC}"/>
+          </ac:picMkLst>
+        </pc:picChg>
+      </pc:sldChg>
+    </pc:docChg>
+  </pc:docChgLst>
+</pc:chgInfo>
 </file>
 
 <file path=ppt/diagrams/colors1.xml><?xml version="1.0" encoding="utf-8"?>
@@ -2157,8 +2312,8 @@
         <a:lstStyle/>
         <a:p>
           <a:r>
-            <a:rPr lang="en-US"/>
-            <a:t>• Data retrieved from SQL/Spark</a:t>
+            <a:rPr lang="en-US" dirty="0"/>
+            <a:t>• Data retrieved from PySpark</a:t>
           </a:r>
         </a:p>
       </dgm:t>
@@ -3172,8 +3327,8 @@
             <a:buNone/>
           </a:pPr>
           <a:r>
-            <a:rPr lang="en-US" sz="2500" kern="1200"/>
-            <a:t>• Data retrieved from SQL/Spark</a:t>
+            <a:rPr lang="en-US" sz="2500" kern="1200" dirty="0"/>
+            <a:t>• Data retrieved from PySpark</a:t>
           </a:r>
         </a:p>
       </dsp:txBody>
@@ -7870,7 +8025,7 @@
           <a:p>
             <a:fld id="{5BCAD085-E8A6-8845-BD4E-CB4CCA059FC4}" type="datetimeFigureOut">
               <a:rPr lang="en-US" smtClean="0"/>
-              <a:t>3/11/2025</a:t>
+              <a:t>3/12/2025</a:t>
             </a:fld>
             <a:endParaRPr lang="en-US"/>
           </a:p>
@@ -8121,7 +8276,7 @@
           <a:p>
             <a:fld id="{5BCAD085-E8A6-8845-BD4E-CB4CCA059FC4}" type="datetimeFigureOut">
               <a:rPr lang="en-US" smtClean="0"/>
-              <a:t>3/11/2025</a:t>
+              <a:t>3/12/2025</a:t>
             </a:fld>
             <a:endParaRPr lang="en-US"/>
           </a:p>
@@ -8435,7 +8590,7 @@
           <a:p>
             <a:fld id="{5BCAD085-E8A6-8845-BD4E-CB4CCA059FC4}" type="datetimeFigureOut">
               <a:rPr lang="en-US" smtClean="0"/>
-              <a:t>3/11/2025</a:t>
+              <a:t>3/12/2025</a:t>
             </a:fld>
             <a:endParaRPr lang="en-US"/>
           </a:p>
@@ -8768,7 +8923,7 @@
           <a:p>
             <a:fld id="{5BCAD085-E8A6-8845-BD4E-CB4CCA059FC4}" type="datetimeFigureOut">
               <a:rPr lang="en-US" smtClean="0"/>
-              <a:t>3/11/2025</a:t>
+              <a:t>3/12/2025</a:t>
             </a:fld>
             <a:endParaRPr lang="en-US"/>
           </a:p>
@@ -9082,7 +9237,7 @@
           <a:p>
             <a:fld id="{5BCAD085-E8A6-8845-BD4E-CB4CCA059FC4}" type="datetimeFigureOut">
               <a:rPr lang="en-US" smtClean="0"/>
-              <a:t>3/11/2025</a:t>
+              <a:t>3/12/2025</a:t>
             </a:fld>
             <a:endParaRPr lang="en-US"/>
           </a:p>
@@ -9475,7 +9630,7 @@
           <a:p>
             <a:fld id="{5BCAD085-E8A6-8845-BD4E-CB4CCA059FC4}" type="datetimeFigureOut">
               <a:rPr lang="en-US" smtClean="0"/>
-              <a:t>3/11/2025</a:t>
+              <a:t>3/12/2025</a:t>
             </a:fld>
             <a:endParaRPr lang="en-US"/>
           </a:p>
@@ -9645,7 +9800,7 @@
           <a:p>
             <a:fld id="{5BCAD085-E8A6-8845-BD4E-CB4CCA059FC4}" type="datetimeFigureOut">
               <a:rPr lang="en-US" smtClean="0"/>
-              <a:t>3/11/2025</a:t>
+              <a:t>3/12/2025</a:t>
             </a:fld>
             <a:endParaRPr lang="en-US"/>
           </a:p>
@@ -9825,7 +9980,7 @@
           <a:p>
             <a:fld id="{5BCAD085-E8A6-8845-BD4E-CB4CCA059FC4}" type="datetimeFigureOut">
               <a:rPr lang="en-US" smtClean="0"/>
-              <a:t>3/11/2025</a:t>
+              <a:t>3/12/2025</a:t>
             </a:fld>
             <a:endParaRPr lang="en-US"/>
           </a:p>
@@ -9995,7 +10150,7 @@
           <a:p>
             <a:fld id="{5BCAD085-E8A6-8845-BD4E-CB4CCA059FC4}" type="datetimeFigureOut">
               <a:rPr lang="en-US" smtClean="0"/>
-              <a:t>3/11/2025</a:t>
+              <a:t>3/12/2025</a:t>
             </a:fld>
             <a:endParaRPr lang="en-US"/>
           </a:p>
@@ -10242,7 +10397,7 @@
           <a:p>
             <a:fld id="{5BCAD085-E8A6-8845-BD4E-CB4CCA059FC4}" type="datetimeFigureOut">
               <a:rPr lang="en-US" smtClean="0"/>
-              <a:t>3/11/2025</a:t>
+              <a:t>3/12/2025</a:t>
             </a:fld>
             <a:endParaRPr lang="en-US"/>
           </a:p>
@@ -10539,7 +10694,7 @@
           <a:p>
             <a:fld id="{5BCAD085-E8A6-8845-BD4E-CB4CCA059FC4}" type="datetimeFigureOut">
               <a:rPr lang="en-US" smtClean="0"/>
-              <a:t>3/11/2025</a:t>
+              <a:t>3/12/2025</a:t>
             </a:fld>
             <a:endParaRPr lang="en-US"/>
           </a:p>
@@ -10918,7 +11073,7 @@
           <a:p>
             <a:fld id="{5BCAD085-E8A6-8845-BD4E-CB4CCA059FC4}" type="datetimeFigureOut">
               <a:rPr lang="en-US" smtClean="0"/>
-              <a:t>3/11/2025</a:t>
+              <a:t>3/12/2025</a:t>
             </a:fld>
             <a:endParaRPr lang="en-US"/>
           </a:p>
@@ -11041,7 +11196,7 @@
           <a:p>
             <a:fld id="{5BCAD085-E8A6-8845-BD4E-CB4CCA059FC4}" type="datetimeFigureOut">
               <a:rPr lang="en-US" smtClean="0"/>
-              <a:t>3/11/2025</a:t>
+              <a:t>3/12/2025</a:t>
             </a:fld>
             <a:endParaRPr lang="en-US"/>
           </a:p>
@@ -11136,7 +11291,7 @@
           <a:p>
             <a:fld id="{5BCAD085-E8A6-8845-BD4E-CB4CCA059FC4}" type="datetimeFigureOut">
               <a:rPr lang="en-US" smtClean="0"/>
-              <a:t>3/11/2025</a:t>
+              <a:t>3/12/2025</a:t>
             </a:fld>
             <a:endParaRPr lang="en-US"/>
           </a:p>
@@ -11391,7 +11546,7 @@
           <a:p>
             <a:fld id="{5BCAD085-E8A6-8845-BD4E-CB4CCA059FC4}" type="datetimeFigureOut">
               <a:rPr lang="en-US" smtClean="0"/>
-              <a:t>3/11/2025</a:t>
+              <a:t>3/12/2025</a:t>
             </a:fld>
             <a:endParaRPr lang="en-US"/>
           </a:p>
@@ -11654,7 +11809,7 @@
           <a:p>
             <a:fld id="{5BCAD085-E8A6-8845-BD4E-CB4CCA059FC4}" type="datetimeFigureOut">
               <a:rPr lang="en-US" smtClean="0"/>
-              <a:t>3/11/2025</a:t>
+              <a:t>3/12/2025</a:t>
             </a:fld>
             <a:endParaRPr lang="en-US"/>
           </a:p>
@@ -12468,7 +12623,7 @@
           <a:p>
             <a:fld id="{5BCAD085-E8A6-8845-BD4E-CB4CCA059FC4}" type="datetimeFigureOut">
               <a:rPr lang="en-US" smtClean="0"/>
-              <a:t>3/11/2025</a:t>
+              <a:t>3/12/2025</a:t>
             </a:fld>
             <a:endParaRPr lang="en-US"/>
           </a:p>
@@ -13459,7 +13614,7 @@
             <p:ph idx="1"/>
             <p:extLst>
               <p:ext uri="{D42A27DB-BD31-4B8C-83A1-F6EECF244321}">
-                <p14:modId xmlns:p14="http://schemas.microsoft.com/office/powerpoint/2010/main" val="3754599694"/>
+                <p14:modId xmlns:p14="http://schemas.microsoft.com/office/powerpoint/2010/main" val="3461018520"/>
               </p:ext>
             </p:extLst>
           </p:nvPr>
@@ -13605,31 +13760,31 @@
           <a:lstStyle/>
           <a:p>
             <a:r>
-              <a:rPr lang="en-US"/>
-              <a:t>1. Data Loading (SQL/Spark)</a:t>
+              <a:rPr lang="en-US" dirty="0"/>
+              <a:t>1. Data Loading (PySpark)</a:t>
             </a:r>
           </a:p>
           <a:p>
             <a:r>
-              <a:rPr lang="en-US"/>
+              <a:rPr lang="en-US" dirty="0"/>
               <a:t>2. Data Preprocessing (Cleaning, Feature Scaling, Encoding)</a:t>
             </a:r>
           </a:p>
           <a:p>
             <a:r>
-              <a:rPr lang="en-US"/>
+              <a:rPr lang="en-US" dirty="0"/>
               <a:t>3. Model Training &amp; Evaluation</a:t>
             </a:r>
           </a:p>
           <a:p>
             <a:r>
-              <a:rPr lang="da-DK"/>
+              <a:rPr lang="da-DK" dirty="0"/>
               <a:t>4. Model Optimization (Hyperparameter Tuning)</a:t>
             </a:r>
           </a:p>
           <a:p>
             <a:r>
-              <a:rPr lang="en-US"/>
+              <a:rPr lang="en-US" dirty="0"/>
               <a:t>5. Visualization &amp; Insights</a:t>
             </a:r>
           </a:p>
@@ -13803,7 +13958,7 @@
       </p:grpSpPr>
       <p:grpSp>
         <p:nvGrpSpPr>
-          <p:cNvPr id="23" name="Group 22">
+          <p:cNvPr id="77" name="Group 76">
             <a:extLst>
               <a:ext uri="{FF2B5EF4-FFF2-40B4-BE49-F238E27FC236}">
                 <a16:creationId xmlns:a16="http://schemas.microsoft.com/office/drawing/2014/main" id="{90A61547-2555-4DE2-A37F-A53E54917441}"/>
@@ -13834,7 +13989,7 @@
         </p:grpSpPr>
         <p:cxnSp>
           <p:nvCxnSpPr>
-            <p:cNvPr id="24" name="Straight Connector 23">
+            <p:cNvPr id="39" name="Straight Connector 38">
               <a:extLst>
                 <a:ext uri="{FF2B5EF4-FFF2-40B4-BE49-F238E27FC236}">
                   <a16:creationId xmlns:a16="http://schemas.microsoft.com/office/drawing/2014/main" id="{5C2447E0-8F0D-479C-94E4-82BC8EB68C0C}"/>
@@ -13886,7 +14041,7 @@
         </p:cxnSp>
         <p:cxnSp>
           <p:nvCxnSpPr>
-            <p:cNvPr id="25" name="Straight Connector 24">
+            <p:cNvPr id="40" name="Straight Connector 39">
               <a:extLst>
                 <a:ext uri="{FF2B5EF4-FFF2-40B4-BE49-F238E27FC236}">
                   <a16:creationId xmlns:a16="http://schemas.microsoft.com/office/drawing/2014/main" id="{1F943397-DCDD-44CB-BBA9-9510B7698DD2}"/>
@@ -13938,7 +14093,7 @@
         </p:cxnSp>
         <p:sp>
           <p:nvSpPr>
-            <p:cNvPr id="26" name="Rectangle 23">
+            <p:cNvPr id="78" name="Rectangle 23">
               <a:extLst>
                 <a:ext uri="{FF2B5EF4-FFF2-40B4-BE49-F238E27FC236}">
                   <a16:creationId xmlns:a16="http://schemas.microsoft.com/office/drawing/2014/main" id="{E2630ADC-31DB-4C48-AC4A-DAAE5A7B8EA6}"/>
@@ -14023,7 +14178,7 @@
         </p:sp>
         <p:sp>
           <p:nvSpPr>
-            <p:cNvPr id="27" name="Rectangle 25">
+            <p:cNvPr id="79" name="Rectangle 25">
               <a:extLst>
                 <a:ext uri="{FF2B5EF4-FFF2-40B4-BE49-F238E27FC236}">
                   <a16:creationId xmlns:a16="http://schemas.microsoft.com/office/drawing/2014/main" id="{2CA5C44E-F54E-47E0-8989-4D8686B33C80}"/>
@@ -14108,7 +14263,7 @@
         </p:sp>
         <p:sp>
           <p:nvSpPr>
-            <p:cNvPr id="28" name="Isosceles Triangle 27">
+            <p:cNvPr id="80" name="Isosceles Triangle 79">
               <a:extLst>
                 <a:ext uri="{FF2B5EF4-FFF2-40B4-BE49-F238E27FC236}">
                   <a16:creationId xmlns:a16="http://schemas.microsoft.com/office/drawing/2014/main" id="{FF54E15E-830B-4375-A239-4C51954DEAEC}"/>
@@ -14171,7 +14326,7 @@
         </p:sp>
         <p:sp>
           <p:nvSpPr>
-            <p:cNvPr id="29" name="Rectangle 27">
+            <p:cNvPr id="81" name="Rectangle 27">
               <a:extLst>
                 <a:ext uri="{FF2B5EF4-FFF2-40B4-BE49-F238E27FC236}">
                   <a16:creationId xmlns:a16="http://schemas.microsoft.com/office/drawing/2014/main" id="{CB37E322-FF7E-4872-BD6B-50A48CBEA5CE}"/>
@@ -14257,7 +14412,7 @@
         </p:sp>
         <p:sp>
           <p:nvSpPr>
-            <p:cNvPr id="30" name="Rectangle 28">
+            <p:cNvPr id="82" name="Rectangle 28">
               <a:extLst>
                 <a:ext uri="{FF2B5EF4-FFF2-40B4-BE49-F238E27FC236}">
                   <a16:creationId xmlns:a16="http://schemas.microsoft.com/office/drawing/2014/main" id="{710D0C1E-D2F8-45B2-AE14-1AC8E976F7A2}"/>
@@ -14344,7 +14499,7 @@
         </p:sp>
         <p:sp>
           <p:nvSpPr>
-            <p:cNvPr id="31" name="Rectangle 29">
+            <p:cNvPr id="83" name="Rectangle 29">
               <a:extLst>
                 <a:ext uri="{FF2B5EF4-FFF2-40B4-BE49-F238E27FC236}">
                   <a16:creationId xmlns:a16="http://schemas.microsoft.com/office/drawing/2014/main" id="{3216331B-17D0-4167-ABD2-B2198058C2D2}"/>
@@ -14429,7 +14584,7 @@
         </p:sp>
         <p:sp>
           <p:nvSpPr>
-            <p:cNvPr id="32" name="Isosceles Triangle 31">
+            <p:cNvPr id="84" name="Isosceles Triangle 83">
               <a:extLst>
                 <a:ext uri="{FF2B5EF4-FFF2-40B4-BE49-F238E27FC236}">
                   <a16:creationId xmlns:a16="http://schemas.microsoft.com/office/drawing/2014/main" id="{A53A7A96-3806-4BB3-91DE-6EED48AC787E}"/>
@@ -14492,7 +14647,7 @@
         </p:sp>
         <p:sp>
           <p:nvSpPr>
-            <p:cNvPr id="33" name="Isosceles Triangle 32">
+            <p:cNvPr id="85" name="Isosceles Triangle 84">
               <a:extLst>
                 <a:ext uri="{FF2B5EF4-FFF2-40B4-BE49-F238E27FC236}">
                   <a16:creationId xmlns:a16="http://schemas.microsoft.com/office/drawing/2014/main" id="{F8C2B86C-EE71-466E-8991-503F9C9C1B22}"/>
@@ -14566,7 +14721,7 @@
         </p:nvSpPr>
         <p:spPr>
           <a:xfrm>
-            <a:off x="797133" y="170643"/>
+            <a:off x="768516" y="213558"/>
             <a:ext cx="6216026" cy="1095059"/>
           </a:xfrm>
         </p:spPr>
@@ -14578,9 +14733,10 @@
           <a:p>
             <a:pPr algn="ctr"/>
             <a:r>
-              <a:rPr lang="en-US" sz="4200" dirty="0"/>
+              <a:rPr lang="en-US" sz="4200"/>
               <a:t>Visualizations &amp; Insights</a:t>
             </a:r>
+            <a:endParaRPr lang="en-US" sz="4200" dirty="0"/>
           </a:p>
         </p:txBody>
       </p:sp>
@@ -14606,8 +14762,38 @@
         </p:blipFill>
         <p:spPr>
           <a:xfrm>
-            <a:off x="1985220" y="1960692"/>
-            <a:ext cx="4669500" cy="3969074"/>
+            <a:off x="403533" y="2190748"/>
+            <a:ext cx="4088714" cy="3475406"/>
+          </a:xfrm>
+          <a:prstGeom prst="rect">
+            <a:avLst/>
+          </a:prstGeom>
+        </p:spPr>
+      </p:pic>
+      <p:pic>
+        <p:nvPicPr>
+          <p:cNvPr id="4" name="Picture 3">
+            <a:extLst>
+              <a:ext uri="{FF2B5EF4-FFF2-40B4-BE49-F238E27FC236}">
+                <a16:creationId xmlns:a16="http://schemas.microsoft.com/office/drawing/2014/main" id="{28A34C89-E27D-21D6-330C-E015374142ED}"/>
+              </a:ext>
+            </a:extLst>
+          </p:cNvPr>
+          <p:cNvPicPr>
+            <a:picLocks noChangeAspect="1"/>
+          </p:cNvPicPr>
+          <p:nvPr/>
+        </p:nvPicPr>
+        <p:blipFill>
+          <a:blip r:embed="rId3"/>
+          <a:stretch>
+            <a:fillRect/>
+          </a:stretch>
+        </p:blipFill>
+        <p:spPr>
+          <a:xfrm>
+            <a:off x="4783555" y="1942030"/>
+            <a:ext cx="4260321" cy="3599971"/>
           </a:xfrm>
           <a:prstGeom prst="rect">
             <a:avLst/>
